--- a/homework-2/Presentazione.pptx
+++ b/homework-2/Presentazione.pptx
@@ -112,6 +112,11 @@
       </a:defRPr>
     </a:lvl9pPr>
   </p:defaultTextStyle>
+  <p:extLst>
+    <p:ext uri="{EFAFB233-063F-42B5-8137-9DF3F51BA10A}">
+      <p15:sldGuideLst xmlns:p15="http://schemas.microsoft.com/office/powerpoint/2012/main"/>
+    </p:ext>
+  </p:extLst>
 </p:presentation>
 </file>
 
@@ -300,7 +305,7 @@
           <a:p>
             <a:fld id="{F1FFF282-0BD0-4918-BC93-69746FFC32F4}" type="datetimeFigureOut">
               <a:rPr lang="it-IT" smtClean="0"/>
-              <a:t>07/06/2024</a:t>
+              <a:t>09/06/2024</a:t>
             </a:fld>
             <a:endParaRPr lang="it-IT"/>
           </a:p>
@@ -598,7 +603,7 @@
           <a:p>
             <a:fld id="{F1FFF282-0BD0-4918-BC93-69746FFC32F4}" type="datetimeFigureOut">
               <a:rPr lang="it-IT" smtClean="0"/>
-              <a:t>07/06/2024</a:t>
+              <a:t>09/06/2024</a:t>
             </a:fld>
             <a:endParaRPr lang="it-IT"/>
           </a:p>
@@ -790,7 +795,7 @@
           <a:p>
             <a:fld id="{F1FFF282-0BD0-4918-BC93-69746FFC32F4}" type="datetimeFigureOut">
               <a:rPr lang="it-IT" smtClean="0"/>
-              <a:t>07/06/2024</a:t>
+              <a:t>09/06/2024</a:t>
             </a:fld>
             <a:endParaRPr lang="it-IT"/>
           </a:p>
@@ -1051,7 +1056,7 @@
           <a:p>
             <a:fld id="{F1FFF282-0BD0-4918-BC93-69746FFC32F4}" type="datetimeFigureOut">
               <a:rPr lang="it-IT" smtClean="0"/>
-              <a:t>07/06/2024</a:t>
+              <a:t>09/06/2024</a:t>
             </a:fld>
             <a:endParaRPr lang="it-IT"/>
           </a:p>
@@ -1475,7 +1480,7 @@
           <a:p>
             <a:fld id="{F1FFF282-0BD0-4918-BC93-69746FFC32F4}" type="datetimeFigureOut">
               <a:rPr lang="it-IT" smtClean="0"/>
-              <a:t>07/06/2024</a:t>
+              <a:t>09/06/2024</a:t>
             </a:fld>
             <a:endParaRPr lang="it-IT"/>
           </a:p>
@@ -2012,7 +2017,7 @@
           <a:p>
             <a:fld id="{F1FFF282-0BD0-4918-BC93-69746FFC32F4}" type="datetimeFigureOut">
               <a:rPr lang="it-IT" smtClean="0"/>
-              <a:t>07/06/2024</a:t>
+              <a:t>09/06/2024</a:t>
             </a:fld>
             <a:endParaRPr lang="it-IT"/>
           </a:p>
@@ -2876,7 +2881,7 @@
           <a:p>
             <a:fld id="{F1FFF282-0BD0-4918-BC93-69746FFC32F4}" type="datetimeFigureOut">
               <a:rPr lang="it-IT" smtClean="0"/>
-              <a:t>07/06/2024</a:t>
+              <a:t>09/06/2024</a:t>
             </a:fld>
             <a:endParaRPr lang="it-IT"/>
           </a:p>
@@ -3046,7 +3051,7 @@
           <a:p>
             <a:fld id="{F1FFF282-0BD0-4918-BC93-69746FFC32F4}" type="datetimeFigureOut">
               <a:rPr lang="it-IT" smtClean="0"/>
-              <a:t>07/06/2024</a:t>
+              <a:t>09/06/2024</a:t>
             </a:fld>
             <a:endParaRPr lang="it-IT"/>
           </a:p>
@@ -3230,7 +3235,7 @@
           <a:p>
             <a:fld id="{F1FFF282-0BD0-4918-BC93-69746FFC32F4}" type="datetimeFigureOut">
               <a:rPr lang="it-IT" smtClean="0"/>
-              <a:t>07/06/2024</a:t>
+              <a:t>09/06/2024</a:t>
             </a:fld>
             <a:endParaRPr lang="it-IT"/>
           </a:p>
@@ -3400,7 +3405,7 @@
           <a:p>
             <a:fld id="{F1FFF282-0BD0-4918-BC93-69746FFC32F4}" type="datetimeFigureOut">
               <a:rPr lang="it-IT" smtClean="0"/>
-              <a:t>07/06/2024</a:t>
+              <a:t>09/06/2024</a:t>
             </a:fld>
             <a:endParaRPr lang="it-IT"/>
           </a:p>
@@ -3644,7 +3649,7 @@
           <a:p>
             <a:fld id="{F1FFF282-0BD0-4918-BC93-69746FFC32F4}" type="datetimeFigureOut">
               <a:rPr lang="it-IT" smtClean="0"/>
-              <a:t>07/06/2024</a:t>
+              <a:t>09/06/2024</a:t>
             </a:fld>
             <a:endParaRPr lang="it-IT"/>
           </a:p>
@@ -3880,7 +3885,7 @@
           <a:p>
             <a:fld id="{F1FFF282-0BD0-4918-BC93-69746FFC32F4}" type="datetimeFigureOut">
               <a:rPr lang="it-IT" smtClean="0"/>
-              <a:t>07/06/2024</a:t>
+              <a:t>09/06/2024</a:t>
             </a:fld>
             <a:endParaRPr lang="it-IT"/>
           </a:p>
@@ -4346,7 +4351,7 @@
           <a:p>
             <a:fld id="{F1FFF282-0BD0-4918-BC93-69746FFC32F4}" type="datetimeFigureOut">
               <a:rPr lang="it-IT" smtClean="0"/>
-              <a:t>07/06/2024</a:t>
+              <a:t>09/06/2024</a:t>
             </a:fld>
             <a:endParaRPr lang="it-IT"/>
           </a:p>
@@ -4464,7 +4469,7 @@
           <a:p>
             <a:fld id="{F1FFF282-0BD0-4918-BC93-69746FFC32F4}" type="datetimeFigureOut">
               <a:rPr lang="it-IT" smtClean="0"/>
-              <a:t>07/06/2024</a:t>
+              <a:t>09/06/2024</a:t>
             </a:fld>
             <a:endParaRPr lang="it-IT"/>
           </a:p>
@@ -4559,7 +4564,7 @@
           <a:p>
             <a:fld id="{F1FFF282-0BD0-4918-BC93-69746FFC32F4}" type="datetimeFigureOut">
               <a:rPr lang="it-IT" smtClean="0"/>
-              <a:t>07/06/2024</a:t>
+              <a:t>09/06/2024</a:t>
             </a:fld>
             <a:endParaRPr lang="it-IT"/>
           </a:p>
@@ -4814,7 +4819,7 @@
           <a:p>
             <a:fld id="{F1FFF282-0BD0-4918-BC93-69746FFC32F4}" type="datetimeFigureOut">
               <a:rPr lang="it-IT" smtClean="0"/>
-              <a:t>07/06/2024</a:t>
+              <a:t>09/06/2024</a:t>
             </a:fld>
             <a:endParaRPr lang="it-IT"/>
           </a:p>
@@ -5114,7 +5119,7 @@
           <a:p>
             <a:fld id="{F1FFF282-0BD0-4918-BC93-69746FFC32F4}" type="datetimeFigureOut">
               <a:rPr lang="it-IT" smtClean="0"/>
-              <a:t>07/06/2024</a:t>
+              <a:t>09/06/2024</a:t>
             </a:fld>
             <a:endParaRPr lang="it-IT"/>
           </a:p>
@@ -5348,7 +5353,7 @@
           <a:p>
             <a:fld id="{F1FFF282-0BD0-4918-BC93-69746FFC32F4}" type="datetimeFigureOut">
               <a:rPr lang="it-IT" smtClean="0"/>
-              <a:t>07/06/2024</a:t>
+              <a:t>09/06/2024</a:t>
             </a:fld>
             <a:endParaRPr lang="it-IT"/>
           </a:p>
@@ -7499,10 +7504,10 @@
       </p:pic>
       <p:pic>
         <p:nvPicPr>
-          <p:cNvPr id="43" name="Immagine 42" descr="Immagine che contiene Viso umano, persona, uomo, Mento&#10;&#10;Descrizione generata automaticamente">
+          <p:cNvPr id="45" name="Immagine 44" descr="Immagine che contiene persona, cielo, Viso umano, albero&#10;&#10;Descrizione generata automaticamente">
             <a:extLst>
               <a:ext uri="{FF2B5EF4-FFF2-40B4-BE49-F238E27FC236}">
-                <a16:creationId xmlns:a16="http://schemas.microsoft.com/office/drawing/2014/main" id="{ABA34247-107D-4F62-A27B-C7A1A0C1BF1D}"/>
+                <a16:creationId xmlns:a16="http://schemas.microsoft.com/office/drawing/2014/main" id="{7E5A4753-45BE-7252-24B6-AD4ADF9F1F3E}"/>
               </a:ext>
             </a:extLst>
           </p:cNvPr>
@@ -7525,8 +7530,8 @@
         </p:blipFill>
         <p:spPr>
           <a:xfrm>
-            <a:off x="10186472" y="2192970"/>
-            <a:ext cx="793011" cy="802842"/>
+            <a:off x="8932149" y="4151401"/>
+            <a:ext cx="939958" cy="981877"/>
           </a:xfrm>
           <a:prstGeom prst="rect">
             <a:avLst/>
@@ -7535,10 +7540,10 @@
       </p:pic>
       <p:pic>
         <p:nvPicPr>
-          <p:cNvPr id="45" name="Immagine 44" descr="Immagine che contiene persona, cielo, Viso umano, albero&#10;&#10;Descrizione generata automaticamente">
+          <p:cNvPr id="9" name="Immagine 8">
             <a:extLst>
               <a:ext uri="{FF2B5EF4-FFF2-40B4-BE49-F238E27FC236}">
-                <a16:creationId xmlns:a16="http://schemas.microsoft.com/office/drawing/2014/main" id="{7E5A4753-45BE-7252-24B6-AD4ADF9F1F3E}"/>
+                <a16:creationId xmlns:a16="http://schemas.microsoft.com/office/drawing/2014/main" id="{C2A8E0AC-6DC6-A64F-DF80-A9B1783CFEBB}"/>
               </a:ext>
             </a:extLst>
           </p:cNvPr>
@@ -7548,21 +7553,15 @@
           <p:nvPr/>
         </p:nvPicPr>
         <p:blipFill>
-          <a:blip r:embed="rId12">
-            <a:extLst>
-              <a:ext uri="{28A0092B-C50C-407E-A947-70E740481C1C}">
-                <a14:useLocalDpi xmlns:a14="http://schemas.microsoft.com/office/drawing/2010/main" val="0"/>
-              </a:ext>
-            </a:extLst>
-          </a:blip>
+          <a:blip r:embed="rId12"/>
           <a:stretch>
             <a:fillRect/>
           </a:stretch>
         </p:blipFill>
         <p:spPr>
           <a:xfrm>
-            <a:off x="8932149" y="4151401"/>
-            <a:ext cx="939958" cy="981877"/>
+            <a:off x="10135077" y="2271293"/>
+            <a:ext cx="835546" cy="780151"/>
           </a:xfrm>
           <a:prstGeom prst="rect">
             <a:avLst/>
@@ -8427,7 +8426,7 @@
               <a:rPr lang="en-US" sz="2400" dirty="0">
                 <a:latin typeface="Century" panose="02040604050505020304" pitchFamily="18" charset="0"/>
               </a:rPr>
-              <a:t>Implemented the different java classes needed from scratch:</a:t>
+              <a:t>We implemented the different java classes needed from scratch:</a:t>
             </a:r>
           </a:p>
           <a:p>
@@ -8730,7 +8729,7 @@
               <a:rPr lang="en-US" dirty="0">
                 <a:latin typeface="Century" panose="02040604050505020304" pitchFamily="18" charset="0"/>
               </a:rPr>
-              <a:t>Additionally, tournament administrators can manage the teams enrolled in their tournaments. A registered user may hold ownership of both tournaments and teams. Every of those users can view past and present tournaments along with their related match schedules, team standings, and other statistics</a:t>
+              <a:t>Additionally, tournament administrators can manage the teams enrolled in their tournaments. A registered user may hold ownership of both tournaments and teams. Everyone of those users can view past and present tournaments along with their related match schedules, team standings, and other statistics</a:t>
             </a:r>
             <a:endParaRPr lang="it-IT" dirty="0">
               <a:latin typeface="Century" panose="02040604050505020304" pitchFamily="18" charset="0"/>
@@ -8909,7 +8908,7 @@
         <p:spPr>
           <a:xfrm>
             <a:off x="4544962" y="2613389"/>
-            <a:ext cx="5601929" cy="1631216"/>
+            <a:ext cx="5807053" cy="1631216"/>
           </a:xfrm>
           <a:prstGeom prst="rect">
             <a:avLst/>
@@ -8927,7 +8926,7 @@
               <a:rPr lang="en-US" sz="2000" dirty="0">
                 <a:latin typeface="Century" panose="02040604050505020304" pitchFamily="18" charset="0"/>
               </a:rPr>
-              <a:t>When the user login a session is created</a:t>
+              <a:t>When the user logins a session is created</a:t>
             </a:r>
           </a:p>
           <a:p>
@@ -8937,12 +8936,11 @@
             </a:endParaRPr>
           </a:p>
           <a:p>
-            <a:pPr algn="just"/>
             <a:r>
               <a:rPr lang="en-US" sz="2000" dirty="0">
                 <a:latin typeface="Century" panose="02040604050505020304" pitchFamily="18" charset="0"/>
               </a:rPr>
-              <a:t>The session is used by the application filters to validate the access to the certain functionalities, such as editing a team</a:t>
+              <a:t>The session is used by the application filters to validate the access to certain functionalities, such as editing a team</a:t>
             </a:r>
           </a:p>
         </p:txBody>
@@ -9314,8 +9312,8 @@
         </p:nvSpPr>
         <p:spPr>
           <a:xfrm>
-            <a:off x="4402589" y="1951669"/>
-            <a:ext cx="6442392" cy="3139321"/>
+            <a:off x="4327088" y="2628779"/>
+            <a:ext cx="6442392" cy="1600438"/>
           </a:xfrm>
           <a:prstGeom prst="rect">
             <a:avLst/>
@@ -9358,57 +9356,6 @@
                 <a:latin typeface="Century"/>
               </a:rPr>
               <a:t> by the REST services</a:t>
-            </a:r>
-          </a:p>
-          <a:p>
-            <a:pPr algn="just"/>
-            <a:endParaRPr lang="it-IT" sz="2000" dirty="0">
-              <a:latin typeface="Century"/>
-            </a:endParaRPr>
-          </a:p>
-          <a:p>
-            <a:pPr algn="just"/>
-            <a:r>
-              <a:rPr lang="en-GB" sz="2000" dirty="0">
-                <a:latin typeface="Century" panose="02040604050505020304" pitchFamily="18" charset="0"/>
-              </a:rPr>
-              <a:t>The services that are implemented using REST are:</a:t>
-            </a:r>
-          </a:p>
-          <a:p>
-            <a:pPr lvl="1" algn="just">
-              <a:buFont typeface="Arial" panose="020B0604020202020204" pitchFamily="34" charset="0"/>
-              <a:buChar char="•"/>
-            </a:pPr>
-            <a:r>
-              <a:rPr lang="en-GB" sz="2000" dirty="0">
-                <a:latin typeface="Century" panose="02040604050505020304" pitchFamily="18" charset="0"/>
-              </a:rPr>
-              <a:t>manage of members</a:t>
-            </a:r>
-          </a:p>
-          <a:p>
-            <a:pPr lvl="1" algn="just">
-              <a:buFont typeface="Arial" panose="020B0604020202020204" pitchFamily="34" charset="0"/>
-              <a:buChar char="•"/>
-            </a:pPr>
-            <a:r>
-              <a:rPr lang="en-GB" sz="2000" dirty="0">
-                <a:latin typeface="Century" panose="02040604050505020304" pitchFamily="18" charset="0"/>
-              </a:rPr>
-              <a:t>manage of conferences</a:t>
-            </a:r>
-          </a:p>
-          <a:p>
-            <a:pPr lvl="1" algn="just">
-              <a:buFont typeface="Arial" panose="020B0604020202020204" pitchFamily="34" charset="0"/>
-              <a:buChar char="•"/>
-            </a:pPr>
-            <a:r>
-              <a:rPr lang="en-GB" sz="2000" dirty="0">
-                <a:latin typeface="Century" panose="02040604050505020304" pitchFamily="18" charset="0"/>
-              </a:rPr>
-              <a:t>reservation of the seats</a:t>
             </a:r>
           </a:p>
           <a:p>
@@ -9601,8 +9548,8 @@
         </p:nvSpPr>
         <p:spPr>
           <a:xfrm>
-            <a:off x="4832555" y="3086539"/>
-            <a:ext cx="2526890" cy="584775"/>
+            <a:off x="4832554" y="3086539"/>
+            <a:ext cx="3380267" cy="584775"/>
           </a:xfrm>
           <a:prstGeom prst="rect">
             <a:avLst/>
@@ -9618,6 +9565,14 @@
             <a:r>
               <a:rPr lang="it-IT" sz="3200" dirty="0" err="1"/>
               <a:t>Let’s</a:t>
+            </a:r>
+            <a:r>
+              <a:rPr lang="it-IT" sz="3200" dirty="0"/>
+              <a:t> </a:t>
+            </a:r>
+            <a:r>
+              <a:rPr lang="it-IT" sz="3200" dirty="0" err="1"/>
+              <a:t>see</a:t>
             </a:r>
             <a:r>
               <a:rPr lang="it-IT" sz="3200" dirty="0"/>
